--- a/Banking_EDA_Final.pptx
+++ b/Banking_EDA_Final.pptx
@@ -3317,10 +3317,10 @@
         <a:lstStyle/>
         <a:p>
           <a:r>
-            <a:rPr lang="en-US" b="0" baseline="0"/>
+            <a:rPr lang="en-US" b="0" baseline="0" dirty="0"/>
             <a:t>Null Hypothesis (H0): The FICO score, loan length, and amount requested have no effect on the interest rate.</a:t>
           </a:r>
-          <a:endParaRPr lang="en-US"/>
+          <a:endParaRPr lang="en-US" dirty="0"/>
         </a:p>
       </dgm:t>
     </dgm:pt>
@@ -3475,7 +3475,7 @@
 <dgm:dataModel xmlns:dgm="http://schemas.openxmlformats.org/drawingml/2006/diagram" xmlns:a="http://schemas.openxmlformats.org/drawingml/2006/main">
   <dgm:ptLst>
     <dgm:pt modelId="{13D65E78-6001-469F-9803-EA6B0EC667EA}" type="doc">
-      <dgm:prSet loTypeId="urn:microsoft.com/office/officeart/2008/layout/LinedList" loCatId="list" qsTypeId="urn:microsoft.com/office/officeart/2005/8/quickstyle/simple1" qsCatId="simple" csTypeId="urn:microsoft.com/office/officeart/2005/8/colors/accent1_2" csCatId="accent1"/>
+      <dgm:prSet loTypeId="urn:microsoft.com/office/officeart/2008/layout/LinedList" loCatId="list" qsTypeId="urn:microsoft.com/office/officeart/2005/8/quickstyle/simple1" qsCatId="simple" csTypeId="urn:microsoft.com/office/officeart/2005/8/colors/accent1_2" csCatId="accent1" phldr="1"/>
       <dgm:spPr/>
       <dgm:t>
         <a:bodyPr/>
@@ -3493,10 +3493,9 @@
         <a:lstStyle/>
         <a:p>
           <a:r>
-            <a:rPr lang="en-US" b="0"/>
-            <a:t>`interest_rate`: The interest rate of the loan.</a:t>
+            <a:rPr lang="en-US" dirty="0"/>
+            <a:t>Interest Rate</a:t>
           </a:r>
-          <a:endParaRPr lang="en-US"/>
         </a:p>
       </dgm:t>
     </dgm:pt>
@@ -3530,10 +3529,10 @@
         <a:lstStyle/>
         <a:p>
           <a:r>
-            <a:rPr lang="en-US" b="0"/>
-            <a:t>`fico_range`: The FICO score of the borrower. FICO scores are a type of credit score that lenders use to determine the borrower's credit risk.</a:t>
+            <a:rPr lang="en-US" b="0" dirty="0"/>
+            <a:t>FICO Range</a:t>
           </a:r>
-          <a:endParaRPr lang="en-US"/>
+          <a:endParaRPr lang="en-US" dirty="0"/>
         </a:p>
       </dgm:t>
     </dgm:pt>
@@ -3567,10 +3566,10 @@
         <a:lstStyle/>
         <a:p>
           <a:r>
-            <a:rPr lang="en-US" b="0"/>
-            <a:t>`amount_requested`: The amount of money requested by the borrower.</a:t>
+            <a:rPr lang="en-US" b="0" dirty="0"/>
+            <a:t>Amount Requested</a:t>
           </a:r>
-          <a:endParaRPr lang="en-US"/>
+          <a:endParaRPr lang="en-US" dirty="0"/>
         </a:p>
       </dgm:t>
     </dgm:pt>
@@ -3604,10 +3603,9 @@
         <a:lstStyle/>
         <a:p>
           <a:r>
-            <a:rPr lang="en-US" b="0"/>
-            <a:t>`amount_funded_by_investors`: The amount of money funded by investors.</a:t>
+            <a:rPr lang="en-US" dirty="0"/>
+            <a:t>Amount Funded by Investors</a:t>
           </a:r>
-          <a:endParaRPr lang="en-US"/>
         </a:p>
       </dgm:t>
     </dgm:pt>
@@ -3641,10 +3639,9 @@
         <a:lstStyle/>
         <a:p>
           <a:r>
-            <a:rPr lang="en-US" b="0"/>
-            <a:t>`loan_length`: The length of the loan.</a:t>
+            <a:rPr lang="en-US" dirty="0"/>
+            <a:t>Loan Length</a:t>
           </a:r>
-          <a:endParaRPr lang="en-US"/>
         </a:p>
       </dgm:t>
     </dgm:pt>
@@ -3798,7 +3795,7 @@
   <dgm:whole/>
   <dgm:extLst>
     <a:ext uri="http://schemas.microsoft.com/office/drawing/2008/diagram">
-      <dsp:dataModelExt xmlns:dsp="http://schemas.microsoft.com/office/drawing/2008/diagram" relId="rId6" minVer="http://schemas.openxmlformats.org/drawingml/2006/diagram"/>
+      <dsp:dataModelExt xmlns:dsp="http://schemas.microsoft.com/office/drawing/2008/diagram" relId="rId7" minVer="http://schemas.openxmlformats.org/drawingml/2006/diagram"/>
     </a:ext>
   </dgm:extLst>
 </dgm:dataModel>
@@ -4764,10 +4761,10 @@
             <a:buNone/>
           </a:pPr>
           <a:r>
-            <a:rPr lang="en-US" sz="2500" b="0" kern="1200" baseline="0"/>
+            <a:rPr lang="en-US" sz="2500" b="0" kern="1200" baseline="0" dirty="0"/>
             <a:t>Null Hypothesis (H0): The FICO score, loan length, and amount requested have no effect on the interest rate.</a:t>
           </a:r>
-          <a:endParaRPr lang="en-US" sz="2500" kern="1200"/>
+          <a:endParaRPr lang="en-US" sz="2500" kern="1200" dirty="0"/>
         </a:p>
       </dsp:txBody>
       <dsp:txXfrm>
@@ -5029,12 +5026,12 @@
         <a:fontRef idx="minor"/>
       </dsp:style>
       <dsp:txBody>
-        <a:bodyPr spcFirstLastPara="0" vert="horz" wrap="square" lIns="68580" tIns="68580" rIns="68580" bIns="68580" numCol="1" spcCol="1270" anchor="t" anchorCtr="0">
+        <a:bodyPr spcFirstLastPara="0" vert="horz" wrap="square" lIns="114300" tIns="114300" rIns="114300" bIns="114300" numCol="1" spcCol="1270" anchor="t" anchorCtr="0">
           <a:noAutofit/>
         </a:bodyPr>
         <a:lstStyle/>
         <a:p>
-          <a:pPr marL="0" lvl="0" indent="0" algn="l" defTabSz="800100">
+          <a:pPr marL="0" lvl="0" indent="0" algn="l" defTabSz="1333500">
             <a:lnSpc>
               <a:spcPct val="90000"/>
             </a:lnSpc>
@@ -5047,10 +5044,9 @@
             <a:buNone/>
           </a:pPr>
           <a:r>
-            <a:rPr lang="en-US" sz="1800" b="0" kern="1200"/>
-            <a:t>`interest_rate`: The interest rate of the loan.</a:t>
+            <a:rPr lang="en-US" sz="3000" kern="1200" dirty="0"/>
+            <a:t>Interest Rate</a:t>
           </a:r>
-          <a:endParaRPr lang="en-US" sz="1800" kern="1200"/>
         </a:p>
       </dsp:txBody>
       <dsp:txXfrm>
@@ -5140,12 +5136,12 @@
         <a:fontRef idx="minor"/>
       </dsp:style>
       <dsp:txBody>
-        <a:bodyPr spcFirstLastPara="0" vert="horz" wrap="square" lIns="68580" tIns="68580" rIns="68580" bIns="68580" numCol="1" spcCol="1270" anchor="t" anchorCtr="0">
+        <a:bodyPr spcFirstLastPara="0" vert="horz" wrap="square" lIns="114300" tIns="114300" rIns="114300" bIns="114300" numCol="1" spcCol="1270" anchor="t" anchorCtr="0">
           <a:noAutofit/>
         </a:bodyPr>
         <a:lstStyle/>
         <a:p>
-          <a:pPr marL="0" lvl="0" indent="0" algn="l" defTabSz="800100">
+          <a:pPr marL="0" lvl="0" indent="0" algn="l" defTabSz="1333500">
             <a:lnSpc>
               <a:spcPct val="90000"/>
             </a:lnSpc>
@@ -5158,10 +5154,10 @@
             <a:buNone/>
           </a:pPr>
           <a:r>
-            <a:rPr lang="en-US" sz="1800" b="0" kern="1200"/>
-            <a:t>`fico_range`: The FICO score of the borrower. FICO scores are a type of credit score that lenders use to determine the borrower's credit risk.</a:t>
+            <a:rPr lang="en-US" sz="3000" b="0" kern="1200" dirty="0"/>
+            <a:t>FICO Range</a:t>
           </a:r>
-          <a:endParaRPr lang="en-US" sz="1800" kern="1200"/>
+          <a:endParaRPr lang="en-US" sz="3000" kern="1200" dirty="0"/>
         </a:p>
       </dsp:txBody>
       <dsp:txXfrm>
@@ -5251,12 +5247,12 @@
         <a:fontRef idx="minor"/>
       </dsp:style>
       <dsp:txBody>
-        <a:bodyPr spcFirstLastPara="0" vert="horz" wrap="square" lIns="68580" tIns="68580" rIns="68580" bIns="68580" numCol="1" spcCol="1270" anchor="t" anchorCtr="0">
+        <a:bodyPr spcFirstLastPara="0" vert="horz" wrap="square" lIns="114300" tIns="114300" rIns="114300" bIns="114300" numCol="1" spcCol="1270" anchor="t" anchorCtr="0">
           <a:noAutofit/>
         </a:bodyPr>
         <a:lstStyle/>
         <a:p>
-          <a:pPr marL="0" lvl="0" indent="0" algn="l" defTabSz="800100">
+          <a:pPr marL="0" lvl="0" indent="0" algn="l" defTabSz="1333500">
             <a:lnSpc>
               <a:spcPct val="90000"/>
             </a:lnSpc>
@@ -5269,10 +5265,10 @@
             <a:buNone/>
           </a:pPr>
           <a:r>
-            <a:rPr lang="en-US" sz="1800" b="0" kern="1200"/>
-            <a:t>`amount_requested`: The amount of money requested by the borrower.</a:t>
+            <a:rPr lang="en-US" sz="3000" b="0" kern="1200" dirty="0"/>
+            <a:t>Amount Requested</a:t>
           </a:r>
-          <a:endParaRPr lang="en-US" sz="1800" kern="1200"/>
+          <a:endParaRPr lang="en-US" sz="3000" kern="1200" dirty="0"/>
         </a:p>
       </dsp:txBody>
       <dsp:txXfrm>
@@ -5362,12 +5358,12 @@
         <a:fontRef idx="minor"/>
       </dsp:style>
       <dsp:txBody>
-        <a:bodyPr spcFirstLastPara="0" vert="horz" wrap="square" lIns="68580" tIns="68580" rIns="68580" bIns="68580" numCol="1" spcCol="1270" anchor="t" anchorCtr="0">
+        <a:bodyPr spcFirstLastPara="0" vert="horz" wrap="square" lIns="114300" tIns="114300" rIns="114300" bIns="114300" numCol="1" spcCol="1270" anchor="t" anchorCtr="0">
           <a:noAutofit/>
         </a:bodyPr>
         <a:lstStyle/>
         <a:p>
-          <a:pPr marL="0" lvl="0" indent="0" algn="l" defTabSz="800100">
+          <a:pPr marL="0" lvl="0" indent="0" algn="l" defTabSz="1333500">
             <a:lnSpc>
               <a:spcPct val="90000"/>
             </a:lnSpc>
@@ -5380,10 +5376,9 @@
             <a:buNone/>
           </a:pPr>
           <a:r>
-            <a:rPr lang="en-US" sz="1800" b="0" kern="1200"/>
-            <a:t>`amount_funded_by_investors`: The amount of money funded by investors.</a:t>
+            <a:rPr lang="en-US" sz="3000" kern="1200" dirty="0"/>
+            <a:t>Amount Funded by Investors</a:t>
           </a:r>
-          <a:endParaRPr lang="en-US" sz="1800" kern="1200"/>
         </a:p>
       </dsp:txBody>
       <dsp:txXfrm>
@@ -5473,12 +5468,12 @@
         <a:fontRef idx="minor"/>
       </dsp:style>
       <dsp:txBody>
-        <a:bodyPr spcFirstLastPara="0" vert="horz" wrap="square" lIns="68580" tIns="68580" rIns="68580" bIns="68580" numCol="1" spcCol="1270" anchor="t" anchorCtr="0">
+        <a:bodyPr spcFirstLastPara="0" vert="horz" wrap="square" lIns="114300" tIns="114300" rIns="114300" bIns="114300" numCol="1" spcCol="1270" anchor="t" anchorCtr="0">
           <a:noAutofit/>
         </a:bodyPr>
         <a:lstStyle/>
         <a:p>
-          <a:pPr marL="0" lvl="0" indent="0" algn="l" defTabSz="800100">
+          <a:pPr marL="0" lvl="0" indent="0" algn="l" defTabSz="1333500">
             <a:lnSpc>
               <a:spcPct val="90000"/>
             </a:lnSpc>
@@ -5491,10 +5486,9 @@
             <a:buNone/>
           </a:pPr>
           <a:r>
-            <a:rPr lang="en-US" sz="1800" b="0" kern="1200"/>
-            <a:t>`loan_length`: The length of the loan.</a:t>
+            <a:rPr lang="en-US" sz="3000" kern="1200" dirty="0"/>
+            <a:t>Loan Length</a:t>
           </a:r>
-          <a:endParaRPr lang="en-US" sz="1800" kern="1200"/>
         </a:p>
       </dsp:txBody>
       <dsp:txXfrm>
@@ -13388,6 +13382,252 @@
             </a:pPr>
             <a:r>
               <a:rPr lang="en-US" b="0" dirty="0"/>
+              <a:t>`</a:t>
+            </a:r>
+            <a:r>
+              <a:rPr lang="en-US" b="0" dirty="0" err="1"/>
+              <a:t>interest_rate</a:t>
+            </a:r>
+            <a:r>
+              <a:rPr lang="en-US" b="0" dirty="0"/>
+              <a:t>`: The interest rate of the loan.</a:t>
+            </a:r>
+          </a:p>
+          <a:p>
+            <a:pPr marL="0" marR="0" lvl="0" indent="0" algn="l" defTabSz="914400" rtl="0" eaLnBrk="1" fontAlgn="auto" latinLnBrk="0" hangingPunct="1">
+              <a:lnSpc>
+                <a:spcPct val="100000"/>
+              </a:lnSpc>
+              <a:spcBef>
+                <a:spcPts val="0"/>
+              </a:spcBef>
+              <a:spcAft>
+                <a:spcPts val="0"/>
+              </a:spcAft>
+              <a:buClrTx/>
+              <a:buSzTx/>
+              <a:buFontTx/>
+              <a:buNone/>
+              <a:tabLst/>
+              <a:defRPr/>
+            </a:pPr>
+            <a:r>
+              <a:rPr lang="en-US" b="0" dirty="0"/>
+              <a:t>`</a:t>
+            </a:r>
+            <a:r>
+              <a:rPr lang="en-US" b="0" dirty="0" err="1"/>
+              <a:t>fico_range</a:t>
+            </a:r>
+            <a:r>
+              <a:rPr lang="en-US" b="0" dirty="0"/>
+              <a:t>`: The FICO score of the borrower. FICO scores are a type of credit score that lenders use to determine the borrower's credit risk.</a:t>
+            </a:r>
+            <a:endParaRPr lang="en-US" dirty="0"/>
+          </a:p>
+          <a:p>
+            <a:pPr marL="0" marR="0" lvl="0" indent="0" algn="l" defTabSz="914400" rtl="0" eaLnBrk="1" fontAlgn="auto" latinLnBrk="0" hangingPunct="1">
+              <a:lnSpc>
+                <a:spcPct val="100000"/>
+              </a:lnSpc>
+              <a:spcBef>
+                <a:spcPts val="0"/>
+              </a:spcBef>
+              <a:spcAft>
+                <a:spcPts val="0"/>
+              </a:spcAft>
+              <a:buClrTx/>
+              <a:buSzTx/>
+              <a:buFontTx/>
+              <a:buNone/>
+              <a:tabLst/>
+              <a:defRPr/>
+            </a:pPr>
+            <a:r>
+              <a:rPr lang="en-US" b="0" dirty="0"/>
+              <a:t>`</a:t>
+            </a:r>
+            <a:r>
+              <a:rPr lang="en-US" b="0" dirty="0" err="1"/>
+              <a:t>amount_requested</a:t>
+            </a:r>
+            <a:r>
+              <a:rPr lang="en-US" b="0" dirty="0"/>
+              <a:t>`: The amount of money requested by the borrower</a:t>
+            </a:r>
+            <a:endParaRPr lang="en-US" dirty="0"/>
+          </a:p>
+          <a:p>
+            <a:pPr marL="0" marR="0" lvl="0" indent="0" algn="l" defTabSz="914400" rtl="0" eaLnBrk="1" fontAlgn="auto" latinLnBrk="0" hangingPunct="1">
+              <a:lnSpc>
+                <a:spcPct val="100000"/>
+              </a:lnSpc>
+              <a:spcBef>
+                <a:spcPts val="0"/>
+              </a:spcBef>
+              <a:spcAft>
+                <a:spcPts val="0"/>
+              </a:spcAft>
+              <a:buClrTx/>
+              <a:buSzTx/>
+              <a:buFontTx/>
+              <a:buNone/>
+              <a:tabLst/>
+              <a:defRPr/>
+            </a:pPr>
+            <a:r>
+              <a:rPr lang="en-US" b="0" dirty="0"/>
+              <a:t>`</a:t>
+            </a:r>
+            <a:r>
+              <a:rPr lang="en-US" b="0" dirty="0" err="1"/>
+              <a:t>amount_funded_by_investors</a:t>
+            </a:r>
+            <a:r>
+              <a:rPr lang="en-US" b="0" dirty="0"/>
+              <a:t>`: The amount of money funded by investors.</a:t>
+            </a:r>
+            <a:endParaRPr lang="en-US" dirty="0"/>
+          </a:p>
+          <a:p>
+            <a:pPr marL="0" marR="0" lvl="0" indent="0" algn="l" defTabSz="914400" rtl="0" eaLnBrk="1" fontAlgn="auto" latinLnBrk="0" hangingPunct="1">
+              <a:lnSpc>
+                <a:spcPct val="100000"/>
+              </a:lnSpc>
+              <a:spcBef>
+                <a:spcPts val="0"/>
+              </a:spcBef>
+              <a:spcAft>
+                <a:spcPts val="0"/>
+              </a:spcAft>
+              <a:buClrTx/>
+              <a:buSzTx/>
+              <a:buFontTx/>
+              <a:buNone/>
+              <a:tabLst/>
+              <a:defRPr/>
+            </a:pPr>
+            <a:r>
+              <a:rPr lang="en-US" b="0" dirty="0"/>
+              <a:t>`</a:t>
+            </a:r>
+            <a:r>
+              <a:rPr lang="en-US" b="0" dirty="0" err="1"/>
+              <a:t>loan_length</a:t>
+            </a:r>
+            <a:r>
+              <a:rPr lang="en-US" b="0" dirty="0"/>
+              <a:t>`: The length of the loan.</a:t>
+            </a:r>
+            <a:endParaRPr lang="en-US" dirty="0"/>
+          </a:p>
+          <a:p>
+            <a:endParaRPr lang="en-US" dirty="0"/>
+          </a:p>
+          <a:p>
+            <a:endParaRPr lang="en-US" dirty="0"/>
+          </a:p>
+        </p:txBody>
+      </p:sp>
+      <p:sp>
+        <p:nvSpPr>
+          <p:cNvPr id="4" name="Slide Number Placeholder 3"/>
+          <p:cNvSpPr>
+            <a:spLocks noGrp="1"/>
+          </p:cNvSpPr>
+          <p:nvPr>
+            <p:ph type="sldNum" sz="quarter" idx="5"/>
+          </p:nvPr>
+        </p:nvSpPr>
+        <p:spPr/>
+        <p:txBody>
+          <a:bodyPr/>
+          <a:lstStyle/>
+          <a:p>
+            <a:fld id="{76429F4A-2940-4B68-A781-CC0E6560336D}" type="slidenum">
+              <a:rPr lang="en-US" smtClean="0"/>
+              <a:t>3</a:t>
+            </a:fld>
+            <a:endParaRPr lang="en-US"/>
+          </a:p>
+        </p:txBody>
+      </p:sp>
+    </p:spTree>
+    <p:extLst>
+      <p:ext uri="{BB962C8B-B14F-4D97-AF65-F5344CB8AC3E}">
+        <p14:creationId xmlns:p14="http://schemas.microsoft.com/office/powerpoint/2010/main" val="208472785"/>
+      </p:ext>
+    </p:extLst>
+  </p:cSld>
+  <p:clrMapOvr>
+    <a:masterClrMapping/>
+  </p:clrMapOvr>
+</p:notes>
+</file>
+
+<file path=ppt/notesSlides/notesSlide2.xml><?xml version="1.0" encoding="utf-8"?>
+<p:notes xmlns:a="http://schemas.openxmlformats.org/drawingml/2006/main" xmlns:r="http://schemas.openxmlformats.org/officeDocument/2006/relationships" xmlns:p="http://schemas.openxmlformats.org/presentationml/2006/main">
+  <p:cSld>
+    <p:spTree>
+      <p:nvGrpSpPr>
+        <p:cNvPr id="1" name=""/>
+        <p:cNvGrpSpPr/>
+        <p:nvPr/>
+      </p:nvGrpSpPr>
+      <p:grpSpPr>
+        <a:xfrm>
+          <a:off x="0" y="0"/>
+          <a:ext cx="0" cy="0"/>
+          <a:chOff x="0" y="0"/>
+          <a:chExt cx="0" cy="0"/>
+        </a:xfrm>
+      </p:grpSpPr>
+      <p:sp>
+        <p:nvSpPr>
+          <p:cNvPr id="2" name="Slide Image Placeholder 1"/>
+          <p:cNvSpPr>
+            <a:spLocks noGrp="1" noRot="1" noChangeAspect="1"/>
+          </p:cNvSpPr>
+          <p:nvPr>
+            <p:ph type="sldImg"/>
+          </p:nvPr>
+        </p:nvSpPr>
+        <p:spPr/>
+      </p:sp>
+      <p:sp>
+        <p:nvSpPr>
+          <p:cNvPr id="3" name="Notes Placeholder 2"/>
+          <p:cNvSpPr>
+            <a:spLocks noGrp="1"/>
+          </p:cNvSpPr>
+          <p:nvPr>
+            <p:ph type="body" idx="1"/>
+          </p:nvPr>
+        </p:nvSpPr>
+        <p:spPr/>
+        <p:txBody>
+          <a:bodyPr/>
+          <a:lstStyle/>
+          <a:p>
+            <a:pPr marL="0" marR="0" lvl="0" indent="0" algn="l" defTabSz="914400" rtl="0" eaLnBrk="1" fontAlgn="auto" latinLnBrk="0" hangingPunct="1">
+              <a:lnSpc>
+                <a:spcPct val="100000"/>
+              </a:lnSpc>
+              <a:spcBef>
+                <a:spcPts val="0"/>
+              </a:spcBef>
+              <a:spcAft>
+                <a:spcPts val="0"/>
+              </a:spcAft>
+              <a:buClrTx/>
+              <a:buSzTx/>
+              <a:buFontTx/>
+              <a:buNone/>
+              <a:tabLst/>
+              <a:defRPr/>
+            </a:pPr>
+            <a:r>
+              <a:rPr lang="en-US" b="0" dirty="0"/>
               <a:t>-The features in our dataset are a mix of numerical and categorical data. `</a:t>
             </a:r>
             <a:r>
@@ -13549,7 +13789,7 @@
 </p:notes>
 </file>
 
-<file path=ppt/notesSlides/notesSlide2.xml><?xml version="1.0" encoding="utf-8"?>
+<file path=ppt/notesSlides/notesSlide3.xml><?xml version="1.0" encoding="utf-8"?>
 <p:notes xmlns:a="http://schemas.openxmlformats.org/drawingml/2006/main" xmlns:r="http://schemas.openxmlformats.org/officeDocument/2006/relationships" xmlns:p="http://schemas.openxmlformats.org/presentationml/2006/main">
   <p:cSld>
     <p:spTree>
@@ -13697,7 +13937,7 @@
 </p:notes>
 </file>
 
-<file path=ppt/notesSlides/notesSlide3.xml><?xml version="1.0" encoding="utf-8"?>
+<file path=ppt/notesSlides/notesSlide4.xml><?xml version="1.0" encoding="utf-8"?>
 <p:notes xmlns:a="http://schemas.openxmlformats.org/drawingml/2006/main" xmlns:r="http://schemas.openxmlformats.org/officeDocument/2006/relationships" xmlns:p="http://schemas.openxmlformats.org/presentationml/2006/main">
   <p:cSld>
     <p:spTree>
@@ -14145,7 +14385,7 @@
 </p:notes>
 </file>
 
-<file path=ppt/notesSlides/notesSlide4.xml><?xml version="1.0" encoding="utf-8"?>
+<file path=ppt/notesSlides/notesSlide5.xml><?xml version="1.0" encoding="utf-8"?>
 <p:notes xmlns:a="http://schemas.openxmlformats.org/drawingml/2006/main" xmlns:r="http://schemas.openxmlformats.org/officeDocument/2006/relationships" xmlns:p="http://schemas.openxmlformats.org/presentationml/2006/main">
   <p:cSld>
     <p:spTree>
@@ -14390,7 +14630,7 @@
 </p:notes>
 </file>
 
-<file path=ppt/notesSlides/notesSlide5.xml><?xml version="1.0" encoding="utf-8"?>
+<file path=ppt/notesSlides/notesSlide6.xml><?xml version="1.0" encoding="utf-8"?>
 <p:notes xmlns:a="http://schemas.openxmlformats.org/drawingml/2006/main" xmlns:r="http://schemas.openxmlformats.org/officeDocument/2006/relationships" xmlns:p="http://schemas.openxmlformats.org/presentationml/2006/main">
   <p:cSld>
     <p:spTree>
@@ -14545,7 +14785,7 @@
 </p:notes>
 </file>
 
-<file path=ppt/notesSlides/notesSlide6.xml><?xml version="1.0" encoding="utf-8"?>
+<file path=ppt/notesSlides/notesSlide7.xml><?xml version="1.0" encoding="utf-8"?>
 <p:notes xmlns:a="http://schemas.openxmlformats.org/drawingml/2006/main" xmlns:r="http://schemas.openxmlformats.org/officeDocument/2006/relationships" xmlns:p="http://schemas.openxmlformats.org/presentationml/2006/main">
   <p:cSld>
     <p:spTree>
@@ -22149,6 +22389,11 @@
           </p:cNvGraphicFramePr>
           <p:nvPr>
             <p:ph idx="1"/>
+            <p:extLst>
+              <p:ext uri="{D42A27DB-BD31-4B8C-83A1-F6EECF244321}">
+                <p14:modId xmlns:p14="http://schemas.microsoft.com/office/powerpoint/2010/main" val="3564422939"/>
+              </p:ext>
+            </p:extLst>
           </p:nvPr>
         </p:nvGraphicFramePr>
         <p:xfrm>
@@ -22157,7 +22402,7 @@
         </p:xfrm>
         <a:graphic>
           <a:graphicData uri="http://schemas.openxmlformats.org/drawingml/2006/diagram">
-            <dgm:relIds xmlns:dgm="http://schemas.openxmlformats.org/drawingml/2006/diagram" xmlns:r="http://schemas.openxmlformats.org/officeDocument/2006/relationships" r:dm="rId2" r:lo="rId3" r:qs="rId4" r:cs="rId5"/>
+            <dgm:relIds xmlns:dgm="http://schemas.openxmlformats.org/drawingml/2006/diagram" xmlns:r="http://schemas.openxmlformats.org/officeDocument/2006/relationships" r:dm="rId3" r:lo="rId4" r:qs="rId5" r:cs="rId6"/>
           </a:graphicData>
         </a:graphic>
       </p:graphicFrame>

--- a/Banking_EDA_Final.pptx
+++ b/Banking_EDA_Final.pptx
@@ -20173,15 +20173,20 @@
           <p:nvPr/>
         </p:nvPicPr>
         <p:blipFill>
-          <a:blip r:embed="rId4"/>
-          <a:stretch>
-            <a:fillRect/>
-          </a:stretch>
+          <a:blip r:embed="rId4">
+            <a:extLst>
+              <a:ext uri="{28A0092B-C50C-407E-A947-70E740481C1C}">
+                <a14:useLocalDpi xmlns:a14="http://schemas.microsoft.com/office/drawing/2010/main" val="0"/>
+              </a:ext>
+            </a:extLst>
+          </a:blip>
+          <a:srcRect/>
+          <a:stretch/>
         </p:blipFill>
         <p:spPr>
           <a:xfrm>
-            <a:off x="1211241" y="2636839"/>
-            <a:ext cx="4503103" cy="3501162"/>
+            <a:off x="1212677" y="2636839"/>
+            <a:ext cx="4500230" cy="3501162"/>
           </a:xfrm>
           <a:custGeom>
             <a:avLst/>
@@ -28522,15 +28527,20 @@
           <p:nvPr/>
         </p:nvPicPr>
         <p:blipFill>
-          <a:blip r:embed="rId3"/>
-          <a:stretch>
-            <a:fillRect/>
-          </a:stretch>
+          <a:blip r:embed="rId3">
+            <a:extLst>
+              <a:ext uri="{28A0092B-C50C-407E-A947-70E740481C1C}">
+                <a14:useLocalDpi xmlns:a14="http://schemas.microsoft.com/office/drawing/2010/main" val="0"/>
+              </a:ext>
+            </a:extLst>
+          </a:blip>
+          <a:srcRect/>
+          <a:stretch/>
         </p:blipFill>
         <p:spPr>
           <a:xfrm>
-            <a:off x="2969743" y="1642326"/>
-            <a:ext cx="6252514" cy="4861329"/>
+            <a:off x="2971737" y="1642326"/>
+            <a:ext cx="6248526" cy="4861329"/>
           </a:xfrm>
           <a:custGeom>
             <a:avLst/>
